--- a/practica_html_spring_th.pptx
+++ b/practica_html_spring_th.pptx
@@ -8,6 +8,8 @@
     <p:sldId id="256" r:id="rId2"/>
     <p:sldId id="257" r:id="rId3"/>
     <p:sldId id="258" r:id="rId4"/>
+    <p:sldId id="259" r:id="rId5"/>
+    <p:sldId id="260" r:id="rId6"/>
   </p:sldIdLst>
   <p:sldSz cx="12192000" cy="6858000"/>
   <p:notesSz cx="6858000" cy="9144000"/>
@@ -106,6 +108,11 @@
       </a:defRPr>
     </a:lvl9pPr>
   </p:defaultTextStyle>
+  <p:extLst>
+    <p:ext uri="{EFAFB233-063F-42B5-8137-9DF3F51BA10A}">
+      <p15:sldGuideLst xmlns:p15="http://schemas.microsoft.com/office/powerpoint/2012/main"/>
+    </p:ext>
+  </p:extLst>
 </p:presentation>
 </file>
 
@@ -256,7 +263,7 @@
           <a:p>
             <a:fld id="{43BF224F-758C-48CC-878F-264C31A5BCB2}" type="datetimeFigureOut">
               <a:rPr lang="en-US" smtClean="0"/>
-              <a:t>09/06/2022</a:t>
+              <a:t>10/06/2022</a:t>
             </a:fld>
             <a:endParaRPr lang="en-US"/>
           </a:p>
@@ -454,7 +461,7 @@
           <a:p>
             <a:fld id="{43BF224F-758C-48CC-878F-264C31A5BCB2}" type="datetimeFigureOut">
               <a:rPr lang="en-US" smtClean="0"/>
-              <a:t>09/06/2022</a:t>
+              <a:t>10/06/2022</a:t>
             </a:fld>
             <a:endParaRPr lang="en-US"/>
           </a:p>
@@ -662,7 +669,7 @@
           <a:p>
             <a:fld id="{43BF224F-758C-48CC-878F-264C31A5BCB2}" type="datetimeFigureOut">
               <a:rPr lang="en-US" smtClean="0"/>
-              <a:t>09/06/2022</a:t>
+              <a:t>10/06/2022</a:t>
             </a:fld>
             <a:endParaRPr lang="en-US"/>
           </a:p>
@@ -860,7 +867,7 @@
           <a:p>
             <a:fld id="{43BF224F-758C-48CC-878F-264C31A5BCB2}" type="datetimeFigureOut">
               <a:rPr lang="en-US" smtClean="0"/>
-              <a:t>09/06/2022</a:t>
+              <a:t>10/06/2022</a:t>
             </a:fld>
             <a:endParaRPr lang="en-US"/>
           </a:p>
@@ -1135,7 +1142,7 @@
           <a:p>
             <a:fld id="{43BF224F-758C-48CC-878F-264C31A5BCB2}" type="datetimeFigureOut">
               <a:rPr lang="en-US" smtClean="0"/>
-              <a:t>09/06/2022</a:t>
+              <a:t>10/06/2022</a:t>
             </a:fld>
             <a:endParaRPr lang="en-US"/>
           </a:p>
@@ -1400,7 +1407,7 @@
           <a:p>
             <a:fld id="{43BF224F-758C-48CC-878F-264C31A5BCB2}" type="datetimeFigureOut">
               <a:rPr lang="en-US" smtClean="0"/>
-              <a:t>09/06/2022</a:t>
+              <a:t>10/06/2022</a:t>
             </a:fld>
             <a:endParaRPr lang="en-US"/>
           </a:p>
@@ -1812,7 +1819,7 @@
           <a:p>
             <a:fld id="{43BF224F-758C-48CC-878F-264C31A5BCB2}" type="datetimeFigureOut">
               <a:rPr lang="en-US" smtClean="0"/>
-              <a:t>09/06/2022</a:t>
+              <a:t>10/06/2022</a:t>
             </a:fld>
             <a:endParaRPr lang="en-US"/>
           </a:p>
@@ -1953,7 +1960,7 @@
           <a:p>
             <a:fld id="{43BF224F-758C-48CC-878F-264C31A5BCB2}" type="datetimeFigureOut">
               <a:rPr lang="en-US" smtClean="0"/>
-              <a:t>09/06/2022</a:t>
+              <a:t>10/06/2022</a:t>
             </a:fld>
             <a:endParaRPr lang="en-US"/>
           </a:p>
@@ -2066,7 +2073,7 @@
           <a:p>
             <a:fld id="{43BF224F-758C-48CC-878F-264C31A5BCB2}" type="datetimeFigureOut">
               <a:rPr lang="en-US" smtClean="0"/>
-              <a:t>09/06/2022</a:t>
+              <a:t>10/06/2022</a:t>
             </a:fld>
             <a:endParaRPr lang="en-US"/>
           </a:p>
@@ -2377,7 +2384,7 @@
           <a:p>
             <a:fld id="{43BF224F-758C-48CC-878F-264C31A5BCB2}" type="datetimeFigureOut">
               <a:rPr lang="en-US" smtClean="0"/>
-              <a:t>09/06/2022</a:t>
+              <a:t>10/06/2022</a:t>
             </a:fld>
             <a:endParaRPr lang="en-US"/>
           </a:p>
@@ -2665,7 +2672,7 @@
           <a:p>
             <a:fld id="{43BF224F-758C-48CC-878F-264C31A5BCB2}" type="datetimeFigureOut">
               <a:rPr lang="en-US" smtClean="0"/>
-              <a:t>09/06/2022</a:t>
+              <a:t>10/06/2022</a:t>
             </a:fld>
             <a:endParaRPr lang="en-US"/>
           </a:p>
@@ -2906,7 +2913,7 @@
           <a:p>
             <a:fld id="{43BF224F-758C-48CC-878F-264C31A5BCB2}" type="datetimeFigureOut">
               <a:rPr lang="en-US" smtClean="0"/>
-              <a:t>09/06/2022</a:t>
+              <a:t>10/06/2022</a:t>
             </a:fld>
             <a:endParaRPr lang="en-US"/>
           </a:p>
@@ -6319,6 +6326,1955 @@
 </p:sld>
 </file>
 
+<file path=ppt/slides/slide4.xml><?xml version="1.0" encoding="utf-8"?>
+<p:sld xmlns:a="http://schemas.openxmlformats.org/drawingml/2006/main" xmlns:r="http://schemas.openxmlformats.org/officeDocument/2006/relationships" xmlns:p="http://schemas.openxmlformats.org/presentationml/2006/main">
+  <p:cSld>
+    <p:spTree>
+      <p:nvGrpSpPr>
+        <p:cNvPr id="1" name=""/>
+        <p:cNvGrpSpPr/>
+        <p:nvPr/>
+      </p:nvGrpSpPr>
+      <p:grpSpPr>
+        <a:xfrm>
+          <a:off x="0" y="0"/>
+          <a:ext cx="0" cy="0"/>
+          <a:chOff x="0" y="0"/>
+          <a:chExt cx="0" cy="0"/>
+        </a:xfrm>
+      </p:grpSpPr>
+      <p:sp>
+        <p:nvSpPr>
+          <p:cNvPr id="6" name="TextBox 5">
+            <a:extLst>
+              <a:ext uri="{FF2B5EF4-FFF2-40B4-BE49-F238E27FC236}">
+                <a16:creationId xmlns:a16="http://schemas.microsoft.com/office/drawing/2014/main" id="{E545B1AD-542E-8D57-8B42-62EDC263AE06}"/>
+              </a:ext>
+            </a:extLst>
+          </p:cNvPr>
+          <p:cNvSpPr txBox="1"/>
+          <p:nvPr/>
+        </p:nvSpPr>
+        <p:spPr>
+          <a:xfrm>
+            <a:off x="246577" y="113211"/>
+            <a:ext cx="2987741" cy="646331"/>
+          </a:xfrm>
+          <a:prstGeom prst="rect">
+            <a:avLst/>
+          </a:prstGeom>
+          <a:noFill/>
+        </p:spPr>
+        <p:txBody>
+          <a:bodyPr wrap="none" rtlCol="0">
+            <a:spAutoFit/>
+          </a:bodyPr>
+          <a:lstStyle/>
+          <a:p>
+            <a:r>
+              <a:rPr lang="en-US" b="1" dirty="0" err="1"/>
+              <a:t>Fechas</a:t>
+            </a:r>
+            <a:r>
+              <a:rPr lang="en-US" b="1" dirty="0"/>
+              <a:t> y horas con </a:t>
+            </a:r>
+            <a:r>
+              <a:rPr lang="en-US" b="1" dirty="0" err="1"/>
+              <a:t>thymeleaf</a:t>
+            </a:r>
+            <a:endParaRPr lang="en-US" b="1" dirty="0"/>
+          </a:p>
+          <a:p>
+            <a:endParaRPr lang="en-US" dirty="0"/>
+          </a:p>
+        </p:txBody>
+      </p:sp>
+      <p:sp>
+        <p:nvSpPr>
+          <p:cNvPr id="12" name="Rectangle 11">
+            <a:extLst>
+              <a:ext uri="{FF2B5EF4-FFF2-40B4-BE49-F238E27FC236}">
+                <a16:creationId xmlns:a16="http://schemas.microsoft.com/office/drawing/2014/main" id="{265C62A1-DC31-DB52-4EC6-BB56420B828D}"/>
+              </a:ext>
+            </a:extLst>
+          </p:cNvPr>
+          <p:cNvSpPr/>
+          <p:nvPr/>
+        </p:nvSpPr>
+        <p:spPr>
+          <a:xfrm>
+            <a:off x="7409297" y="113211"/>
+            <a:ext cx="4676503" cy="609600"/>
+          </a:xfrm>
+          <a:prstGeom prst="rect">
+            <a:avLst/>
+          </a:prstGeom>
+        </p:spPr>
+        <p:style>
+          <a:lnRef idx="2">
+            <a:schemeClr val="accent1">
+              <a:shade val="50000"/>
+            </a:schemeClr>
+          </a:lnRef>
+          <a:fillRef idx="1">
+            <a:schemeClr val="accent1"/>
+          </a:fillRef>
+          <a:effectRef idx="0">
+            <a:schemeClr val="accent1"/>
+          </a:effectRef>
+          <a:fontRef idx="minor">
+            <a:schemeClr val="lt1"/>
+          </a:fontRef>
+        </p:style>
+        <p:txBody>
+          <a:bodyPr rtlCol="0" anchor="ctr"/>
+          <a:lstStyle/>
+          <a:p>
+            <a:pPr algn="ctr"/>
+            <a:r>
+              <a:rPr lang="en-US" dirty="0"/>
+              <a:t>Barra de </a:t>
+            </a:r>
+            <a:r>
+              <a:rPr lang="en-US" dirty="0" err="1"/>
+              <a:t>navegacion</a:t>
+            </a:r>
+            <a:endParaRPr lang="en-US" dirty="0"/>
+          </a:p>
+        </p:txBody>
+      </p:sp>
+      <p:sp>
+        <p:nvSpPr>
+          <p:cNvPr id="13" name="Rectangle 12">
+            <a:extLst>
+              <a:ext uri="{FF2B5EF4-FFF2-40B4-BE49-F238E27FC236}">
+                <a16:creationId xmlns:a16="http://schemas.microsoft.com/office/drawing/2014/main" id="{F50343D3-497D-A605-502D-C1D1DDE156C2}"/>
+              </a:ext>
+            </a:extLst>
+          </p:cNvPr>
+          <p:cNvSpPr/>
+          <p:nvPr/>
+        </p:nvSpPr>
+        <p:spPr>
+          <a:xfrm>
+            <a:off x="7409296" y="2659241"/>
+            <a:ext cx="4676503" cy="609600"/>
+          </a:xfrm>
+          <a:prstGeom prst="rect">
+            <a:avLst/>
+          </a:prstGeom>
+        </p:spPr>
+        <p:style>
+          <a:lnRef idx="2">
+            <a:schemeClr val="accent4">
+              <a:shade val="50000"/>
+            </a:schemeClr>
+          </a:lnRef>
+          <a:fillRef idx="1">
+            <a:schemeClr val="accent4"/>
+          </a:fillRef>
+          <a:effectRef idx="0">
+            <a:schemeClr val="accent4"/>
+          </a:effectRef>
+          <a:fontRef idx="minor">
+            <a:schemeClr val="lt1"/>
+          </a:fontRef>
+        </p:style>
+        <p:txBody>
+          <a:bodyPr rtlCol="0" anchor="ctr"/>
+          <a:lstStyle/>
+          <a:p>
+            <a:pPr algn="ctr"/>
+            <a:r>
+              <a:rPr lang="en-US" dirty="0"/>
+              <a:t>Footer</a:t>
+            </a:r>
+          </a:p>
+        </p:txBody>
+      </p:sp>
+      <p:sp>
+        <p:nvSpPr>
+          <p:cNvPr id="14" name="Rectangle 13">
+            <a:extLst>
+              <a:ext uri="{FF2B5EF4-FFF2-40B4-BE49-F238E27FC236}">
+                <a16:creationId xmlns:a16="http://schemas.microsoft.com/office/drawing/2014/main" id="{E17F9098-70A5-0572-BFD6-C25153F3D11F}"/>
+              </a:ext>
+            </a:extLst>
+          </p:cNvPr>
+          <p:cNvSpPr/>
+          <p:nvPr/>
+        </p:nvSpPr>
+        <p:spPr>
+          <a:xfrm>
+            <a:off x="7409296" y="722811"/>
+            <a:ext cx="4676503" cy="369332"/>
+          </a:xfrm>
+          <a:prstGeom prst="rect">
+            <a:avLst/>
+          </a:prstGeom>
+        </p:spPr>
+        <p:style>
+          <a:lnRef idx="2">
+            <a:schemeClr val="accent2">
+              <a:shade val="50000"/>
+            </a:schemeClr>
+          </a:lnRef>
+          <a:fillRef idx="1">
+            <a:schemeClr val="accent2"/>
+          </a:fillRef>
+          <a:effectRef idx="0">
+            <a:schemeClr val="accent2"/>
+          </a:effectRef>
+          <a:fontRef idx="minor">
+            <a:schemeClr val="lt1"/>
+          </a:fontRef>
+        </p:style>
+        <p:txBody>
+          <a:bodyPr rtlCol="0" anchor="ctr"/>
+          <a:lstStyle/>
+          <a:p>
+            <a:pPr algn="ctr"/>
+            <a:r>
+              <a:rPr lang="en-US" dirty="0"/>
+              <a:t>Heather</a:t>
+            </a:r>
+          </a:p>
+        </p:txBody>
+      </p:sp>
+      <p:sp>
+        <p:nvSpPr>
+          <p:cNvPr id="15" name="Rectangle 14">
+            <a:extLst>
+              <a:ext uri="{FF2B5EF4-FFF2-40B4-BE49-F238E27FC236}">
+                <a16:creationId xmlns:a16="http://schemas.microsoft.com/office/drawing/2014/main" id="{18001832-D0A2-8EF4-04A8-30ACED0DB942}"/>
+              </a:ext>
+            </a:extLst>
+          </p:cNvPr>
+          <p:cNvSpPr/>
+          <p:nvPr/>
+        </p:nvSpPr>
+        <p:spPr>
+          <a:xfrm>
+            <a:off x="7409296" y="1092143"/>
+            <a:ext cx="4676503" cy="1567098"/>
+          </a:xfrm>
+          <a:prstGeom prst="rect">
+            <a:avLst/>
+          </a:prstGeom>
+        </p:spPr>
+        <p:style>
+          <a:lnRef idx="2">
+            <a:schemeClr val="accent2">
+              <a:shade val="50000"/>
+            </a:schemeClr>
+          </a:lnRef>
+          <a:fillRef idx="1">
+            <a:schemeClr val="accent2"/>
+          </a:fillRef>
+          <a:effectRef idx="0">
+            <a:schemeClr val="accent2"/>
+          </a:effectRef>
+          <a:fontRef idx="minor">
+            <a:schemeClr val="lt1"/>
+          </a:fontRef>
+        </p:style>
+        <p:txBody>
+          <a:bodyPr rtlCol="0" anchor="ctr"/>
+          <a:lstStyle/>
+          <a:p>
+            <a:pPr algn="ctr"/>
+            <a:r>
+              <a:rPr lang="en-US" dirty="0"/>
+              <a:t>&lt;article&gt;</a:t>
+            </a:r>
+          </a:p>
+          <a:p>
+            <a:pPr algn="ctr"/>
+            <a:r>
+              <a:rPr lang="en-US" dirty="0"/>
+              <a:t>          &lt;section&gt;</a:t>
+            </a:r>
+          </a:p>
+          <a:p>
+            <a:pPr algn="ctr"/>
+            <a:endParaRPr lang="en-US" dirty="0"/>
+          </a:p>
+          <a:p>
+            <a:pPr algn="ctr"/>
+            <a:r>
+              <a:rPr lang="en-US" dirty="0"/>
+              <a:t>&lt;/section&gt;</a:t>
+            </a:r>
+          </a:p>
+          <a:p>
+            <a:pPr algn="ctr"/>
+            <a:r>
+              <a:rPr lang="en-US" dirty="0"/>
+              <a:t>&lt;article&gt;</a:t>
+            </a:r>
+          </a:p>
+        </p:txBody>
+      </p:sp>
+      <p:sp>
+        <p:nvSpPr>
+          <p:cNvPr id="16" name="Rectangle 5">
+            <a:extLst>
+              <a:ext uri="{FF2B5EF4-FFF2-40B4-BE49-F238E27FC236}">
+                <a16:creationId xmlns:a16="http://schemas.microsoft.com/office/drawing/2014/main" id="{9545184A-C2E8-E0EF-E605-DDBB8DAA80E5}"/>
+              </a:ext>
+            </a:extLst>
+          </p:cNvPr>
+          <p:cNvSpPr>
+            <a:spLocks noChangeArrowheads="1"/>
+          </p:cNvSpPr>
+          <p:nvPr/>
+        </p:nvSpPr>
+        <p:spPr bwMode="auto">
+          <a:xfrm>
+            <a:off x="106200" y="689471"/>
+            <a:ext cx="7162716" cy="1969770"/>
+          </a:xfrm>
+          <a:prstGeom prst="rect">
+            <a:avLst/>
+          </a:prstGeom>
+          <a:solidFill>
+            <a:srgbClr val="2B2B2B"/>
+          </a:solidFill>
+          <a:ln>
+            <a:noFill/>
+          </a:ln>
+          <a:effectLst/>
+          <a:extLst>
+            <a:ext uri="{91240B29-F687-4F45-9708-019B960494DF}">
+              <a14:hiddenLine xmlns:a14="http://schemas.microsoft.com/office/drawing/2010/main" w="9525">
+                <a:solidFill>
+                  <a:schemeClr val="tx1"/>
+                </a:solidFill>
+                <a:miter lim="800000"/>
+                <a:headEnd/>
+                <a:tailEnd/>
+              </a14:hiddenLine>
+            </a:ext>
+            <a:ext uri="{AF507438-7753-43E0-B8FC-AC1667EBCBE1}">
+              <a14:hiddenEffects xmlns:a14="http://schemas.microsoft.com/office/drawing/2010/main">
+                <a:effectLst>
+                  <a:outerShdw dist="35921" dir="2700000" algn="ctr" rotWithShape="0">
+                    <a:schemeClr val="bg2"/>
+                  </a:outerShdw>
+                </a:effectLst>
+              </a14:hiddenEffects>
+            </a:ext>
+          </a:extLst>
+        </p:spPr>
+        <p:txBody>
+          <a:bodyPr vert="horz" wrap="square" lIns="91440" tIns="45720" rIns="91440" bIns="45720" numCol="1" anchor="ctr" anchorCtr="0" compatLnSpc="1">
+            <a:prstTxWarp prst="textNoShape">
+              <a:avLst/>
+            </a:prstTxWarp>
+            <a:spAutoFit/>
+          </a:bodyPr>
+          <a:lstStyle/>
+          <a:p>
+            <a:pPr marL="0" marR="0" lvl="0" indent="0" algn="l" defTabSz="914400" rtl="0" eaLnBrk="0" fontAlgn="base" latinLnBrk="0" hangingPunct="0">
+              <a:lnSpc>
+                <a:spcPct val="100000"/>
+              </a:lnSpc>
+              <a:spcBef>
+                <a:spcPct val="0"/>
+              </a:spcBef>
+              <a:spcAft>
+                <a:spcPct val="0"/>
+              </a:spcAft>
+              <a:buClrTx/>
+              <a:buSzTx/>
+              <a:buFontTx/>
+              <a:buNone/>
+              <a:tabLst/>
+            </a:pPr>
+            <a:r>
+              <a:rPr lang="en-US" altLang="en-US" sz="1300" dirty="0">
+                <a:solidFill>
+                  <a:srgbClr val="BBB529"/>
+                </a:solidFill>
+                <a:latin typeface="JetBrains Mono"/>
+              </a:rPr>
+              <a:t>Input type= “time”</a:t>
+            </a:r>
+          </a:p>
+          <a:p>
+            <a:pPr marL="0" marR="0" lvl="0" indent="0" algn="l" defTabSz="914400" rtl="0" eaLnBrk="0" fontAlgn="base" latinLnBrk="0" hangingPunct="0">
+              <a:lnSpc>
+                <a:spcPct val="100000"/>
+              </a:lnSpc>
+              <a:spcBef>
+                <a:spcPct val="0"/>
+              </a:spcBef>
+              <a:spcAft>
+                <a:spcPct val="0"/>
+              </a:spcAft>
+              <a:buClrTx/>
+              <a:buSzTx/>
+              <a:buFontTx/>
+              <a:buNone/>
+              <a:tabLst/>
+            </a:pPr>
+            <a:r>
+              <a:rPr kumimoji="0" lang="en-US" altLang="en-US" sz="1300" b="0" i="0" u="none" strike="noStrike" cap="none" normalizeH="0" baseline="0" dirty="0">
+                <a:ln>
+                  <a:noFill/>
+                </a:ln>
+                <a:solidFill>
+                  <a:srgbClr val="BBB529"/>
+                </a:solidFill>
+                <a:effectLst/>
+                <a:latin typeface="JetBrains Mono"/>
+              </a:rPr>
+              <a:t>Input type =“date”</a:t>
+            </a:r>
+          </a:p>
+          <a:p>
+            <a:pPr marL="0" marR="0" lvl="0" indent="0" algn="l" defTabSz="914400" rtl="0" eaLnBrk="0" fontAlgn="base" latinLnBrk="0" hangingPunct="0">
+              <a:lnSpc>
+                <a:spcPct val="100000"/>
+              </a:lnSpc>
+              <a:spcBef>
+                <a:spcPct val="0"/>
+              </a:spcBef>
+              <a:spcAft>
+                <a:spcPct val="0"/>
+              </a:spcAft>
+              <a:buClrTx/>
+              <a:buSzTx/>
+              <a:buFontTx/>
+              <a:buNone/>
+              <a:tabLst/>
+            </a:pPr>
+            <a:endParaRPr lang="en-US" altLang="en-US" sz="1300" dirty="0">
+              <a:solidFill>
+                <a:srgbClr val="BBB529"/>
+              </a:solidFill>
+              <a:latin typeface="JetBrains Mono"/>
+            </a:endParaRPr>
+          </a:p>
+          <a:p>
+            <a:pPr marL="0" marR="0" lvl="0" indent="0" algn="l" defTabSz="914400" rtl="0" eaLnBrk="0" fontAlgn="base" latinLnBrk="0" hangingPunct="0">
+              <a:lnSpc>
+                <a:spcPct val="100000"/>
+              </a:lnSpc>
+              <a:spcBef>
+                <a:spcPct val="0"/>
+              </a:spcBef>
+              <a:spcAft>
+                <a:spcPct val="0"/>
+              </a:spcAft>
+              <a:buClrTx/>
+              <a:buSzTx/>
+              <a:buFontTx/>
+              <a:buNone/>
+              <a:tabLst/>
+            </a:pPr>
+            <a:r>
+              <a:rPr kumimoji="0" lang="en-US" altLang="en-US" sz="1300" b="0" i="0" u="none" strike="noStrike" cap="none" normalizeH="0" baseline="0" dirty="0" err="1">
+                <a:ln>
+                  <a:noFill/>
+                </a:ln>
+                <a:solidFill>
+                  <a:srgbClr val="BBB529"/>
+                </a:solidFill>
+                <a:effectLst/>
+                <a:latin typeface="JetBrains Mono"/>
+              </a:rPr>
+              <a:t>Mostrarlos</a:t>
+            </a:r>
+            <a:r>
+              <a:rPr kumimoji="0" lang="en-US" altLang="en-US" sz="1300" b="0" i="0" u="none" strike="noStrike" cap="none" normalizeH="0" baseline="0" dirty="0">
+                <a:ln>
+                  <a:noFill/>
+                </a:ln>
+                <a:solidFill>
+                  <a:srgbClr val="BBB529"/>
+                </a:solidFill>
+                <a:effectLst/>
+                <a:latin typeface="JetBrains Mono"/>
+              </a:rPr>
+              <a:t> </a:t>
+            </a:r>
+            <a:r>
+              <a:rPr kumimoji="0" lang="en-US" altLang="en-US" sz="1300" b="0" i="0" u="none" strike="noStrike" cap="none" normalizeH="0" baseline="0" dirty="0" err="1">
+                <a:ln>
+                  <a:noFill/>
+                </a:ln>
+                <a:solidFill>
+                  <a:srgbClr val="BBB529"/>
+                </a:solidFill>
+                <a:effectLst/>
+                <a:latin typeface="JetBrains Mono"/>
+              </a:rPr>
+              <a:t>en</a:t>
+            </a:r>
+            <a:r>
+              <a:rPr kumimoji="0" lang="en-US" altLang="en-US" sz="1300" b="0" i="0" u="none" strike="noStrike" cap="none" normalizeH="0" baseline="0" dirty="0">
+                <a:ln>
+                  <a:noFill/>
+                </a:ln>
+                <a:solidFill>
+                  <a:srgbClr val="BBB529"/>
+                </a:solidFill>
+                <a:effectLst/>
+                <a:latin typeface="JetBrains Mono"/>
+              </a:rPr>
+              <a:t> html</a:t>
+            </a:r>
+          </a:p>
+          <a:p>
+            <a:pPr marL="0" marR="0" lvl="0" indent="0" algn="l" defTabSz="914400" rtl="0" eaLnBrk="0" fontAlgn="base" latinLnBrk="0" hangingPunct="0">
+              <a:lnSpc>
+                <a:spcPct val="100000"/>
+              </a:lnSpc>
+              <a:spcBef>
+                <a:spcPct val="0"/>
+              </a:spcBef>
+              <a:spcAft>
+                <a:spcPct val="0"/>
+              </a:spcAft>
+              <a:buClrTx/>
+              <a:buSzTx/>
+              <a:buFontTx/>
+              <a:buNone/>
+              <a:tabLst/>
+            </a:pPr>
+            <a:endParaRPr lang="en-US" altLang="en-US" sz="1300" dirty="0">
+              <a:solidFill>
+                <a:srgbClr val="BBB529"/>
+              </a:solidFill>
+              <a:latin typeface="JetBrains Mono"/>
+            </a:endParaRPr>
+          </a:p>
+          <a:p>
+            <a:pPr marL="0" marR="0" lvl="0" indent="0" algn="l" defTabSz="914400" rtl="0" eaLnBrk="0" fontAlgn="base" latinLnBrk="0" hangingPunct="0">
+              <a:lnSpc>
+                <a:spcPct val="100000"/>
+              </a:lnSpc>
+              <a:spcBef>
+                <a:spcPct val="0"/>
+              </a:spcBef>
+              <a:spcAft>
+                <a:spcPct val="0"/>
+              </a:spcAft>
+              <a:buClrTx/>
+              <a:buSzTx/>
+              <a:buFontTx/>
+              <a:buNone/>
+              <a:tabLst/>
+            </a:pPr>
+            <a:r>
+              <a:rPr kumimoji="0" lang="en-US" altLang="en-US" sz="1300" b="0" i="0" u="none" strike="noStrike" cap="none" normalizeH="0" baseline="0" dirty="0">
+                <a:ln>
+                  <a:noFill/>
+                </a:ln>
+                <a:solidFill>
+                  <a:srgbClr val="BBB529"/>
+                </a:solidFill>
+                <a:effectLst/>
+                <a:latin typeface="JetBrains Mono"/>
+              </a:rPr>
+              <a:t>Leer </a:t>
+            </a:r>
+            <a:r>
+              <a:rPr kumimoji="0" lang="en-US" altLang="en-US" sz="1300" b="0" i="0" u="none" strike="noStrike" cap="none" normalizeH="0" baseline="0" dirty="0" err="1">
+                <a:ln>
+                  <a:noFill/>
+                </a:ln>
+                <a:solidFill>
+                  <a:srgbClr val="BBB529"/>
+                </a:solidFill>
+                <a:effectLst/>
+                <a:latin typeface="JetBrains Mono"/>
+              </a:rPr>
+              <a:t>el</a:t>
+            </a:r>
+            <a:r>
+              <a:rPr kumimoji="0" lang="en-US" altLang="en-US" sz="1300" b="0" i="0" u="none" strike="noStrike" cap="none" normalizeH="0" baseline="0" dirty="0">
+                <a:ln>
+                  <a:noFill/>
+                </a:ln>
+                <a:solidFill>
+                  <a:srgbClr val="BBB529"/>
+                </a:solidFill>
+                <a:effectLst/>
+                <a:latin typeface="JetBrains Mono"/>
+              </a:rPr>
+              <a:t> valor </a:t>
+            </a:r>
+            <a:r>
+              <a:rPr kumimoji="0" lang="en-US" altLang="en-US" sz="1300" b="0" i="0" u="none" strike="noStrike" cap="none" normalizeH="0" baseline="0" dirty="0" err="1">
+                <a:ln>
+                  <a:noFill/>
+                </a:ln>
+                <a:solidFill>
+                  <a:srgbClr val="BBB529"/>
+                </a:solidFill>
+                <a:effectLst/>
+                <a:latin typeface="JetBrains Mono"/>
+              </a:rPr>
+              <a:t>devuelto</a:t>
+            </a:r>
+            <a:r>
+              <a:rPr kumimoji="0" lang="en-US" altLang="en-US" sz="1300" b="0" i="0" u="none" strike="noStrike" cap="none" normalizeH="0" baseline="0" dirty="0">
+                <a:ln>
+                  <a:noFill/>
+                </a:ln>
+                <a:solidFill>
+                  <a:srgbClr val="BBB529"/>
+                </a:solidFill>
+                <a:effectLst/>
+                <a:latin typeface="JetBrains Mono"/>
+              </a:rPr>
+              <a:t> </a:t>
+            </a:r>
+            <a:r>
+              <a:rPr kumimoji="0" lang="en-US" altLang="en-US" sz="1300" b="0" i="0" u="none" strike="noStrike" cap="none" normalizeH="0" baseline="0" dirty="0" err="1">
+                <a:ln>
+                  <a:noFill/>
+                </a:ln>
+                <a:solidFill>
+                  <a:srgbClr val="BBB529"/>
+                </a:solidFill>
+                <a:effectLst/>
+                <a:latin typeface="JetBrains Mono"/>
+              </a:rPr>
+              <a:t>en</a:t>
+            </a:r>
+            <a:r>
+              <a:rPr kumimoji="0" lang="en-US" altLang="en-US" sz="1300" b="0" i="0" u="none" strike="noStrike" cap="none" normalizeH="0" baseline="0" dirty="0">
+                <a:ln>
+                  <a:noFill/>
+                </a:ln>
+                <a:solidFill>
+                  <a:srgbClr val="BBB529"/>
+                </a:solidFill>
+                <a:effectLst/>
+                <a:latin typeface="JetBrains Mono"/>
+              </a:rPr>
+              <a:t> java</a:t>
+            </a:r>
+          </a:p>
+          <a:p>
+            <a:pPr marL="0" marR="0" lvl="0" indent="0" algn="l" defTabSz="914400" rtl="0" eaLnBrk="0" fontAlgn="base" latinLnBrk="0" hangingPunct="0">
+              <a:lnSpc>
+                <a:spcPct val="100000"/>
+              </a:lnSpc>
+              <a:spcBef>
+                <a:spcPct val="0"/>
+              </a:spcBef>
+              <a:spcAft>
+                <a:spcPct val="0"/>
+              </a:spcAft>
+              <a:buClrTx/>
+              <a:buSzTx/>
+              <a:buFontTx/>
+              <a:buNone/>
+              <a:tabLst/>
+            </a:pPr>
+            <a:r>
+              <a:rPr lang="en-US" altLang="en-US" sz="1300" dirty="0">
+                <a:solidFill>
+                  <a:srgbClr val="BBB529"/>
+                </a:solidFill>
+                <a:latin typeface="JetBrains Mono"/>
+              </a:rPr>
+              <a:t>¿</a:t>
+            </a:r>
+            <a:r>
+              <a:rPr lang="en-US" altLang="en-US" sz="1300" dirty="0" err="1">
+                <a:solidFill>
+                  <a:srgbClr val="BBB529"/>
+                </a:solidFill>
+                <a:latin typeface="JetBrains Mono"/>
+              </a:rPr>
+              <a:t>Seré</a:t>
+            </a:r>
+            <a:r>
+              <a:rPr lang="en-US" altLang="en-US" sz="1300" dirty="0">
+                <a:solidFill>
+                  <a:srgbClr val="BBB529"/>
+                </a:solidFill>
+                <a:latin typeface="JetBrains Mono"/>
+              </a:rPr>
+              <a:t> </a:t>
+            </a:r>
+            <a:r>
+              <a:rPr lang="en-US" altLang="en-US" sz="1300" dirty="0" err="1">
+                <a:solidFill>
+                  <a:srgbClr val="BBB529"/>
+                </a:solidFill>
+                <a:latin typeface="JetBrains Mono"/>
+              </a:rPr>
+              <a:t>capaz</a:t>
+            </a:r>
+            <a:r>
+              <a:rPr lang="en-US" altLang="en-US" sz="1300" dirty="0">
+                <a:solidFill>
+                  <a:srgbClr val="BBB529"/>
+                </a:solidFill>
+                <a:latin typeface="JetBrains Mono"/>
+              </a:rPr>
+              <a:t> de </a:t>
+            </a:r>
+            <a:r>
+              <a:rPr lang="en-US" altLang="en-US" sz="1300" dirty="0" err="1">
+                <a:solidFill>
+                  <a:srgbClr val="BBB529"/>
+                </a:solidFill>
+                <a:latin typeface="JetBrains Mono"/>
+              </a:rPr>
+              <a:t>enviar</a:t>
+            </a:r>
+            <a:r>
+              <a:rPr lang="en-US" altLang="en-US" sz="1300" dirty="0">
+                <a:solidFill>
+                  <a:srgbClr val="BBB529"/>
+                </a:solidFill>
+                <a:latin typeface="JetBrains Mono"/>
+              </a:rPr>
+              <a:t> </a:t>
+            </a:r>
+            <a:r>
+              <a:rPr lang="en-US" altLang="en-US" sz="1300" dirty="0" err="1">
+                <a:solidFill>
+                  <a:srgbClr val="BBB529"/>
+                </a:solidFill>
+                <a:latin typeface="JetBrains Mono"/>
+              </a:rPr>
+              <a:t>el</a:t>
+            </a:r>
+            <a:r>
+              <a:rPr lang="en-US" altLang="en-US" sz="1300" dirty="0">
+                <a:solidFill>
+                  <a:srgbClr val="BBB529"/>
+                </a:solidFill>
+                <a:latin typeface="JetBrains Mono"/>
+              </a:rPr>
+              <a:t> valor?</a:t>
+            </a:r>
+          </a:p>
+          <a:p>
+            <a:pPr marL="0" marR="0" lvl="0" indent="0" algn="l" defTabSz="914400" rtl="0" eaLnBrk="0" fontAlgn="base" latinLnBrk="0" hangingPunct="0">
+              <a:lnSpc>
+                <a:spcPct val="100000"/>
+              </a:lnSpc>
+              <a:spcBef>
+                <a:spcPct val="0"/>
+              </a:spcBef>
+              <a:spcAft>
+                <a:spcPct val="0"/>
+              </a:spcAft>
+              <a:buClrTx/>
+              <a:buSzTx/>
+              <a:buFontTx/>
+              <a:buNone/>
+              <a:tabLst/>
+            </a:pPr>
+            <a:r>
+              <a:rPr lang="en-US" altLang="en-US" sz="1300" dirty="0" err="1">
+                <a:solidFill>
+                  <a:srgbClr val="BBB529"/>
+                </a:solidFill>
+                <a:latin typeface="JetBrains Mono"/>
+              </a:rPr>
+              <a:t>Marcar</a:t>
+            </a:r>
+            <a:r>
+              <a:rPr lang="en-US" altLang="en-US" sz="1300" dirty="0">
+                <a:solidFill>
+                  <a:srgbClr val="BBB529"/>
+                </a:solidFill>
+                <a:latin typeface="JetBrains Mono"/>
+              </a:rPr>
+              <a:t> </a:t>
+            </a:r>
+            <a:r>
+              <a:rPr lang="en-US" altLang="en-US" sz="1300" dirty="0" err="1">
+                <a:solidFill>
+                  <a:srgbClr val="BBB529"/>
+                </a:solidFill>
+                <a:latin typeface="JetBrains Mono"/>
+              </a:rPr>
+              <a:t>fecha</a:t>
+            </a:r>
+            <a:r>
+              <a:rPr lang="en-US" altLang="en-US" sz="1300" dirty="0">
+                <a:solidFill>
+                  <a:srgbClr val="BBB529"/>
+                </a:solidFill>
+                <a:latin typeface="JetBrains Mono"/>
+              </a:rPr>
+              <a:t> </a:t>
+            </a:r>
+            <a:r>
+              <a:rPr lang="en-US" altLang="en-US" sz="1300" dirty="0" err="1">
+                <a:solidFill>
+                  <a:srgbClr val="BBB529"/>
+                </a:solidFill>
+                <a:latin typeface="JetBrains Mono"/>
+              </a:rPr>
+              <a:t>en</a:t>
+            </a:r>
+            <a:r>
+              <a:rPr lang="en-US" altLang="en-US" sz="1300" dirty="0">
+                <a:solidFill>
+                  <a:srgbClr val="BBB529"/>
+                </a:solidFill>
+                <a:latin typeface="JetBrains Mono"/>
+              </a:rPr>
+              <a:t> </a:t>
+            </a:r>
+            <a:r>
+              <a:rPr lang="en-US" altLang="en-US" sz="1300" dirty="0" err="1">
+                <a:solidFill>
+                  <a:srgbClr val="BBB529"/>
+                </a:solidFill>
+                <a:latin typeface="JetBrains Mono"/>
+              </a:rPr>
+              <a:t>el</a:t>
+            </a:r>
+            <a:r>
+              <a:rPr lang="en-US" altLang="en-US" sz="1300" dirty="0">
+                <a:solidFill>
+                  <a:srgbClr val="BBB529"/>
+                </a:solidFill>
+                <a:latin typeface="JetBrains Mono"/>
+              </a:rPr>
+              <a:t> </a:t>
+            </a:r>
+            <a:r>
+              <a:rPr lang="en-US" altLang="en-US" sz="1300" dirty="0" err="1">
+                <a:solidFill>
+                  <a:srgbClr val="BBB529"/>
+                </a:solidFill>
+                <a:latin typeface="JetBrains Mono"/>
+              </a:rPr>
+              <a:t>calendario</a:t>
+            </a:r>
+            <a:br>
+              <a:rPr kumimoji="0" lang="en-US" altLang="en-US" sz="1300" b="0" i="0" u="none" strike="noStrike" cap="none" normalizeH="0" baseline="0" dirty="0">
+                <a:ln>
+                  <a:noFill/>
+                </a:ln>
+                <a:solidFill>
+                  <a:srgbClr val="BBB529"/>
+                </a:solidFill>
+                <a:effectLst/>
+                <a:latin typeface="JetBrains Mono"/>
+              </a:rPr>
+            </a:br>
+            <a:endParaRPr kumimoji="0" lang="en-US" altLang="en-US" sz="1800" b="0" i="0" u="none" strike="noStrike" cap="none" normalizeH="0" baseline="0" dirty="0">
+              <a:ln>
+                <a:noFill/>
+              </a:ln>
+              <a:solidFill>
+                <a:schemeClr val="tx1"/>
+              </a:solidFill>
+              <a:effectLst/>
+              <a:latin typeface="Arial" panose="020B0604020202020204" pitchFamily="34" charset="0"/>
+            </a:endParaRPr>
+          </a:p>
+        </p:txBody>
+      </p:sp>
+      <p:pic>
+        <p:nvPicPr>
+          <p:cNvPr id="3" name="Picture 2">
+            <a:extLst>
+              <a:ext uri="{FF2B5EF4-FFF2-40B4-BE49-F238E27FC236}">
+                <a16:creationId xmlns:a16="http://schemas.microsoft.com/office/drawing/2014/main" id="{D58618EC-2384-0121-54EF-55A7F390A89E}"/>
+              </a:ext>
+            </a:extLst>
+          </p:cNvPr>
+          <p:cNvPicPr>
+            <a:picLocks noChangeAspect="1"/>
+          </p:cNvPicPr>
+          <p:nvPr/>
+        </p:nvPicPr>
+        <p:blipFill>
+          <a:blip r:embed="rId2"/>
+          <a:stretch>
+            <a:fillRect/>
+          </a:stretch>
+        </p:blipFill>
+        <p:spPr>
+          <a:xfrm>
+            <a:off x="4296706" y="3589160"/>
+            <a:ext cx="3598588" cy="3110038"/>
+          </a:xfrm>
+          <a:prstGeom prst="rect">
+            <a:avLst/>
+          </a:prstGeom>
+        </p:spPr>
+      </p:pic>
+      <p:pic>
+        <p:nvPicPr>
+          <p:cNvPr id="5" name="Picture 4">
+            <a:extLst>
+              <a:ext uri="{FF2B5EF4-FFF2-40B4-BE49-F238E27FC236}">
+                <a16:creationId xmlns:a16="http://schemas.microsoft.com/office/drawing/2014/main" id="{E8BAF4D5-43C0-54B3-A12E-39C1F100CBC6}"/>
+              </a:ext>
+            </a:extLst>
+          </p:cNvPr>
+          <p:cNvPicPr>
+            <a:picLocks noChangeAspect="1"/>
+          </p:cNvPicPr>
+          <p:nvPr/>
+        </p:nvPicPr>
+        <p:blipFill>
+          <a:blip r:embed="rId3"/>
+          <a:stretch>
+            <a:fillRect/>
+          </a:stretch>
+        </p:blipFill>
+        <p:spPr>
+          <a:xfrm>
+            <a:off x="246577" y="3429000"/>
+            <a:ext cx="3557755" cy="3356055"/>
+          </a:xfrm>
+          <a:prstGeom prst="rect">
+            <a:avLst/>
+          </a:prstGeom>
+        </p:spPr>
+      </p:pic>
+    </p:spTree>
+    <p:extLst>
+      <p:ext uri="{BB962C8B-B14F-4D97-AF65-F5344CB8AC3E}">
+        <p14:creationId xmlns:p14="http://schemas.microsoft.com/office/powerpoint/2010/main" val="3917493390"/>
+      </p:ext>
+    </p:extLst>
+  </p:cSld>
+  <p:clrMapOvr>
+    <a:masterClrMapping/>
+  </p:clrMapOvr>
+</p:sld>
+</file>
+
+<file path=ppt/slides/slide5.xml><?xml version="1.0" encoding="utf-8"?>
+<p:sld xmlns:a="http://schemas.openxmlformats.org/drawingml/2006/main" xmlns:r="http://schemas.openxmlformats.org/officeDocument/2006/relationships" xmlns:p="http://schemas.openxmlformats.org/presentationml/2006/main">
+  <p:cSld>
+    <p:spTree>
+      <p:nvGrpSpPr>
+        <p:cNvPr id="1" name=""/>
+        <p:cNvGrpSpPr/>
+        <p:nvPr/>
+      </p:nvGrpSpPr>
+      <p:grpSpPr>
+        <a:xfrm>
+          <a:off x="0" y="0"/>
+          <a:ext cx="0" cy="0"/>
+          <a:chOff x="0" y="0"/>
+          <a:chExt cx="0" cy="0"/>
+        </a:xfrm>
+      </p:grpSpPr>
+      <p:sp>
+        <p:nvSpPr>
+          <p:cNvPr id="6" name="TextBox 5">
+            <a:extLst>
+              <a:ext uri="{FF2B5EF4-FFF2-40B4-BE49-F238E27FC236}">
+                <a16:creationId xmlns:a16="http://schemas.microsoft.com/office/drawing/2014/main" id="{E545B1AD-542E-8D57-8B42-62EDC263AE06}"/>
+              </a:ext>
+            </a:extLst>
+          </p:cNvPr>
+          <p:cNvSpPr txBox="1"/>
+          <p:nvPr/>
+        </p:nvSpPr>
+        <p:spPr>
+          <a:xfrm>
+            <a:off x="246577" y="113211"/>
+            <a:ext cx="4055726" cy="369332"/>
+          </a:xfrm>
+          <a:prstGeom prst="rect">
+            <a:avLst/>
+          </a:prstGeom>
+          <a:noFill/>
+        </p:spPr>
+        <p:txBody>
+          <a:bodyPr wrap="none" rtlCol="0">
+            <a:spAutoFit/>
+          </a:bodyPr>
+          <a:lstStyle/>
+          <a:p>
+            <a:r>
+              <a:rPr lang="en-US" b="1" dirty="0"/>
+              <a:t>Mi primer </a:t>
+            </a:r>
+            <a:r>
+              <a:rPr lang="en-US" b="1" dirty="0" err="1"/>
+              <a:t>formulario</a:t>
+            </a:r>
+            <a:r>
+              <a:rPr lang="en-US" b="1" dirty="0"/>
+              <a:t> con java de </a:t>
+            </a:r>
+            <a:r>
+              <a:rPr lang="en-US" b="1" dirty="0" err="1"/>
+              <a:t>verdad</a:t>
+            </a:r>
+            <a:endParaRPr lang="en-US" dirty="0"/>
+          </a:p>
+        </p:txBody>
+      </p:sp>
+      <p:sp>
+        <p:nvSpPr>
+          <p:cNvPr id="12" name="Rectangle 11">
+            <a:extLst>
+              <a:ext uri="{FF2B5EF4-FFF2-40B4-BE49-F238E27FC236}">
+                <a16:creationId xmlns:a16="http://schemas.microsoft.com/office/drawing/2014/main" id="{265C62A1-DC31-DB52-4EC6-BB56420B828D}"/>
+              </a:ext>
+            </a:extLst>
+          </p:cNvPr>
+          <p:cNvSpPr/>
+          <p:nvPr/>
+        </p:nvSpPr>
+        <p:spPr>
+          <a:xfrm>
+            <a:off x="7409297" y="113211"/>
+            <a:ext cx="4676503" cy="609600"/>
+          </a:xfrm>
+          <a:prstGeom prst="rect">
+            <a:avLst/>
+          </a:prstGeom>
+        </p:spPr>
+        <p:style>
+          <a:lnRef idx="2">
+            <a:schemeClr val="accent1">
+              <a:shade val="50000"/>
+            </a:schemeClr>
+          </a:lnRef>
+          <a:fillRef idx="1">
+            <a:schemeClr val="accent1"/>
+          </a:fillRef>
+          <a:effectRef idx="0">
+            <a:schemeClr val="accent1"/>
+          </a:effectRef>
+          <a:fontRef idx="minor">
+            <a:schemeClr val="lt1"/>
+          </a:fontRef>
+        </p:style>
+        <p:txBody>
+          <a:bodyPr rtlCol="0" anchor="ctr"/>
+          <a:lstStyle/>
+          <a:p>
+            <a:pPr algn="ctr"/>
+            <a:r>
+              <a:rPr lang="en-US" dirty="0"/>
+              <a:t>Barra de </a:t>
+            </a:r>
+            <a:r>
+              <a:rPr lang="en-US" dirty="0" err="1"/>
+              <a:t>navegacion</a:t>
+            </a:r>
+            <a:endParaRPr lang="en-US" dirty="0"/>
+          </a:p>
+        </p:txBody>
+      </p:sp>
+      <p:sp>
+        <p:nvSpPr>
+          <p:cNvPr id="13" name="Rectangle 12">
+            <a:extLst>
+              <a:ext uri="{FF2B5EF4-FFF2-40B4-BE49-F238E27FC236}">
+                <a16:creationId xmlns:a16="http://schemas.microsoft.com/office/drawing/2014/main" id="{F50343D3-497D-A605-502D-C1D1DDE156C2}"/>
+              </a:ext>
+            </a:extLst>
+          </p:cNvPr>
+          <p:cNvSpPr/>
+          <p:nvPr/>
+        </p:nvSpPr>
+        <p:spPr>
+          <a:xfrm>
+            <a:off x="7409296" y="2659241"/>
+            <a:ext cx="4676503" cy="609600"/>
+          </a:xfrm>
+          <a:prstGeom prst="rect">
+            <a:avLst/>
+          </a:prstGeom>
+        </p:spPr>
+        <p:style>
+          <a:lnRef idx="2">
+            <a:schemeClr val="accent4">
+              <a:shade val="50000"/>
+            </a:schemeClr>
+          </a:lnRef>
+          <a:fillRef idx="1">
+            <a:schemeClr val="accent4"/>
+          </a:fillRef>
+          <a:effectRef idx="0">
+            <a:schemeClr val="accent4"/>
+          </a:effectRef>
+          <a:fontRef idx="minor">
+            <a:schemeClr val="lt1"/>
+          </a:fontRef>
+        </p:style>
+        <p:txBody>
+          <a:bodyPr rtlCol="0" anchor="ctr"/>
+          <a:lstStyle/>
+          <a:p>
+            <a:pPr algn="ctr"/>
+            <a:r>
+              <a:rPr lang="en-US" dirty="0"/>
+              <a:t>Footer</a:t>
+            </a:r>
+          </a:p>
+        </p:txBody>
+      </p:sp>
+      <p:sp>
+        <p:nvSpPr>
+          <p:cNvPr id="14" name="Rectangle 13">
+            <a:extLst>
+              <a:ext uri="{FF2B5EF4-FFF2-40B4-BE49-F238E27FC236}">
+                <a16:creationId xmlns:a16="http://schemas.microsoft.com/office/drawing/2014/main" id="{E17F9098-70A5-0572-BFD6-C25153F3D11F}"/>
+              </a:ext>
+            </a:extLst>
+          </p:cNvPr>
+          <p:cNvSpPr/>
+          <p:nvPr/>
+        </p:nvSpPr>
+        <p:spPr>
+          <a:xfrm>
+            <a:off x="7409296" y="722811"/>
+            <a:ext cx="4676503" cy="369332"/>
+          </a:xfrm>
+          <a:prstGeom prst="rect">
+            <a:avLst/>
+          </a:prstGeom>
+        </p:spPr>
+        <p:style>
+          <a:lnRef idx="2">
+            <a:schemeClr val="accent2">
+              <a:shade val="50000"/>
+            </a:schemeClr>
+          </a:lnRef>
+          <a:fillRef idx="1">
+            <a:schemeClr val="accent2"/>
+          </a:fillRef>
+          <a:effectRef idx="0">
+            <a:schemeClr val="accent2"/>
+          </a:effectRef>
+          <a:fontRef idx="minor">
+            <a:schemeClr val="lt1"/>
+          </a:fontRef>
+        </p:style>
+        <p:txBody>
+          <a:bodyPr rtlCol="0" anchor="ctr"/>
+          <a:lstStyle/>
+          <a:p>
+            <a:pPr algn="ctr"/>
+            <a:r>
+              <a:rPr lang="en-US" dirty="0"/>
+              <a:t>Heather</a:t>
+            </a:r>
+          </a:p>
+        </p:txBody>
+      </p:sp>
+      <p:sp>
+        <p:nvSpPr>
+          <p:cNvPr id="15" name="Rectangle 14">
+            <a:extLst>
+              <a:ext uri="{FF2B5EF4-FFF2-40B4-BE49-F238E27FC236}">
+                <a16:creationId xmlns:a16="http://schemas.microsoft.com/office/drawing/2014/main" id="{18001832-D0A2-8EF4-04A8-30ACED0DB942}"/>
+              </a:ext>
+            </a:extLst>
+          </p:cNvPr>
+          <p:cNvSpPr/>
+          <p:nvPr/>
+        </p:nvSpPr>
+        <p:spPr>
+          <a:xfrm>
+            <a:off x="7409296" y="1092143"/>
+            <a:ext cx="4676503" cy="1567098"/>
+          </a:xfrm>
+          <a:prstGeom prst="rect">
+            <a:avLst/>
+          </a:prstGeom>
+        </p:spPr>
+        <p:style>
+          <a:lnRef idx="2">
+            <a:schemeClr val="accent2">
+              <a:shade val="50000"/>
+            </a:schemeClr>
+          </a:lnRef>
+          <a:fillRef idx="1">
+            <a:schemeClr val="accent2"/>
+          </a:fillRef>
+          <a:effectRef idx="0">
+            <a:schemeClr val="accent2"/>
+          </a:effectRef>
+          <a:fontRef idx="minor">
+            <a:schemeClr val="lt1"/>
+          </a:fontRef>
+        </p:style>
+        <p:txBody>
+          <a:bodyPr rtlCol="0" anchor="ctr"/>
+          <a:lstStyle/>
+          <a:p>
+            <a:pPr algn="ctr"/>
+            <a:r>
+              <a:rPr lang="en-US" dirty="0"/>
+              <a:t>&lt;article&gt;</a:t>
+            </a:r>
+          </a:p>
+          <a:p>
+            <a:pPr algn="ctr"/>
+            <a:r>
+              <a:rPr lang="en-US" dirty="0"/>
+              <a:t>          &lt;section&gt;</a:t>
+            </a:r>
+          </a:p>
+          <a:p>
+            <a:pPr algn="ctr"/>
+            <a:endParaRPr lang="en-US" dirty="0"/>
+          </a:p>
+          <a:p>
+            <a:pPr algn="ctr"/>
+            <a:r>
+              <a:rPr lang="en-US" dirty="0"/>
+              <a:t>&lt;/section&gt;</a:t>
+            </a:r>
+          </a:p>
+          <a:p>
+            <a:pPr algn="ctr"/>
+            <a:r>
+              <a:rPr lang="en-US" dirty="0"/>
+              <a:t>&lt;article&gt;</a:t>
+            </a:r>
+          </a:p>
+        </p:txBody>
+      </p:sp>
+      <p:sp>
+        <p:nvSpPr>
+          <p:cNvPr id="16" name="Rectangle 5">
+            <a:extLst>
+              <a:ext uri="{FF2B5EF4-FFF2-40B4-BE49-F238E27FC236}">
+                <a16:creationId xmlns:a16="http://schemas.microsoft.com/office/drawing/2014/main" id="{9545184A-C2E8-E0EF-E605-DDBB8DAA80E5}"/>
+              </a:ext>
+            </a:extLst>
+          </p:cNvPr>
+          <p:cNvSpPr>
+            <a:spLocks noChangeArrowheads="1"/>
+          </p:cNvSpPr>
+          <p:nvPr/>
+        </p:nvSpPr>
+        <p:spPr bwMode="auto">
+          <a:xfrm>
+            <a:off x="494227" y="2376289"/>
+            <a:ext cx="6197766" cy="1785104"/>
+          </a:xfrm>
+          <a:prstGeom prst="rect">
+            <a:avLst/>
+          </a:prstGeom>
+          <a:solidFill>
+            <a:srgbClr val="2B2B2B"/>
+          </a:solidFill>
+          <a:ln>
+            <a:noFill/>
+          </a:ln>
+          <a:effectLst/>
+          <a:extLst>
+            <a:ext uri="{91240B29-F687-4F45-9708-019B960494DF}">
+              <a14:hiddenLine xmlns:a14="http://schemas.microsoft.com/office/drawing/2010/main" w="9525">
+                <a:solidFill>
+                  <a:schemeClr val="tx1"/>
+                </a:solidFill>
+                <a:miter lim="800000"/>
+                <a:headEnd/>
+                <a:tailEnd/>
+              </a14:hiddenLine>
+            </a:ext>
+            <a:ext uri="{AF507438-7753-43E0-B8FC-AC1667EBCBE1}">
+              <a14:hiddenEffects xmlns:a14="http://schemas.microsoft.com/office/drawing/2010/main">
+                <a:effectLst>
+                  <a:outerShdw dist="35921" dir="2700000" algn="ctr" rotWithShape="0">
+                    <a:schemeClr val="bg2"/>
+                  </a:outerShdw>
+                </a:effectLst>
+              </a14:hiddenEffects>
+            </a:ext>
+          </a:extLst>
+        </p:spPr>
+        <p:txBody>
+          <a:bodyPr vert="horz" wrap="square" lIns="91440" tIns="45720" rIns="91440" bIns="45720" numCol="1" anchor="ctr" anchorCtr="0" compatLnSpc="1">
+            <a:prstTxWarp prst="textNoShape">
+              <a:avLst/>
+            </a:prstTxWarp>
+            <a:spAutoFit/>
+          </a:bodyPr>
+          <a:lstStyle/>
+          <a:p>
+            <a:pPr marL="0" marR="0" lvl="0" indent="0" algn="l" defTabSz="914400" rtl="0" eaLnBrk="0" fontAlgn="base" latinLnBrk="0" hangingPunct="0">
+              <a:lnSpc>
+                <a:spcPct val="100000"/>
+              </a:lnSpc>
+              <a:spcBef>
+                <a:spcPct val="0"/>
+              </a:spcBef>
+              <a:spcAft>
+                <a:spcPct val="0"/>
+              </a:spcAft>
+              <a:buClrTx/>
+              <a:buSzTx/>
+              <a:buFontTx/>
+              <a:buNone/>
+              <a:tabLst/>
+            </a:pPr>
+            <a:r>
+              <a:rPr kumimoji="0" lang="en-US" altLang="en-US" sz="1300" b="0" i="0" u="none" strike="noStrike" cap="none" normalizeH="0" baseline="0" dirty="0">
+                <a:ln>
+                  <a:noFill/>
+                </a:ln>
+                <a:solidFill>
+                  <a:srgbClr val="FFFF00"/>
+                </a:solidFill>
+                <a:effectLst/>
+                <a:latin typeface="JetBrains Mono"/>
+              </a:rPr>
+              <a:t>@RequestMapping(“/</a:t>
+            </a:r>
+            <a:r>
+              <a:rPr lang="en-US" sz="1400" dirty="0">
+                <a:solidFill>
+                  <a:srgbClr val="FFFF00"/>
+                </a:solidFill>
+              </a:rPr>
+              <a:t>accionaejecutar”</a:t>
+            </a:r>
+            <a:r>
+              <a:rPr kumimoji="0" lang="en-US" altLang="en-US" sz="1300" b="0" i="0" u="none" strike="noStrike" cap="none" normalizeH="0" baseline="0" dirty="0">
+                <a:ln>
+                  <a:noFill/>
+                </a:ln>
+                <a:solidFill>
+                  <a:srgbClr val="BBB529"/>
+                </a:solidFill>
+                <a:effectLst/>
+                <a:latin typeface="JetBrains Mono"/>
+              </a:rPr>
+              <a:t>)</a:t>
+            </a:r>
+          </a:p>
+          <a:p>
+            <a:pPr marL="0" marR="0" lvl="0" indent="0" algn="l" defTabSz="914400" rtl="0" eaLnBrk="0" fontAlgn="base" latinLnBrk="0" hangingPunct="0">
+              <a:lnSpc>
+                <a:spcPct val="100000"/>
+              </a:lnSpc>
+              <a:spcBef>
+                <a:spcPct val="0"/>
+              </a:spcBef>
+              <a:spcAft>
+                <a:spcPct val="0"/>
+              </a:spcAft>
+              <a:buClrTx/>
+              <a:buSzTx/>
+              <a:buFontTx/>
+              <a:buNone/>
+              <a:tabLst/>
+            </a:pPr>
+            <a:r>
+              <a:rPr kumimoji="0" lang="es-ES" altLang="en-US" sz="1300" b="0" i="0" u="none" strike="noStrike" cap="none" normalizeH="0" baseline="0" dirty="0" err="1">
+                <a:ln>
+                  <a:noFill/>
+                </a:ln>
+                <a:solidFill>
+                  <a:srgbClr val="BBB529"/>
+                </a:solidFill>
+                <a:effectLst/>
+                <a:latin typeface="JetBrains Mono"/>
+              </a:rPr>
+              <a:t>public</a:t>
+            </a:r>
+            <a:r>
+              <a:rPr kumimoji="0" lang="es-ES" altLang="en-US" sz="1300" b="0" i="0" u="none" strike="noStrike" cap="none" normalizeH="0" baseline="0" dirty="0">
+                <a:ln>
+                  <a:noFill/>
+                </a:ln>
+                <a:solidFill>
+                  <a:srgbClr val="BBB529"/>
+                </a:solidFill>
+                <a:effectLst/>
+                <a:latin typeface="JetBrains Mono"/>
+              </a:rPr>
+              <a:t> </a:t>
+            </a:r>
+            <a:r>
+              <a:rPr kumimoji="0" lang="es-ES" altLang="en-US" sz="1300" b="0" i="0" u="none" strike="noStrike" cap="none" normalizeH="0" baseline="0" dirty="0" err="1">
+                <a:ln>
+                  <a:noFill/>
+                </a:ln>
+                <a:solidFill>
+                  <a:srgbClr val="BBB529"/>
+                </a:solidFill>
+                <a:effectLst/>
+                <a:latin typeface="JetBrains Mono"/>
+              </a:rPr>
+              <a:t>String</a:t>
+            </a:r>
+            <a:r>
+              <a:rPr kumimoji="0" lang="es-ES" altLang="en-US" sz="1300" b="0" i="0" u="none" strike="noStrike" cap="none" normalizeH="0" baseline="0" dirty="0">
+                <a:ln>
+                  <a:noFill/>
+                </a:ln>
+                <a:solidFill>
+                  <a:srgbClr val="BBB529"/>
+                </a:solidFill>
+                <a:effectLst/>
+                <a:latin typeface="JetBrains Mono"/>
+              </a:rPr>
+              <a:t> </a:t>
+            </a:r>
+            <a:r>
+              <a:rPr kumimoji="0" lang="es-ES" altLang="en-US" sz="1300" b="0" i="0" u="none" strike="noStrike" cap="none" normalizeH="0" baseline="0" dirty="0" err="1">
+                <a:ln>
+                  <a:noFill/>
+                </a:ln>
+                <a:solidFill>
+                  <a:srgbClr val="BBB529"/>
+                </a:solidFill>
+                <a:effectLst/>
+                <a:latin typeface="JetBrains Mono"/>
+              </a:rPr>
+              <a:t>accionaejecutar</a:t>
+            </a:r>
+            <a:r>
+              <a:rPr kumimoji="0" lang="es-ES" altLang="en-US" sz="1300" b="0" i="0" u="none" strike="noStrike" cap="none" normalizeH="0" baseline="0" dirty="0">
+                <a:ln>
+                  <a:noFill/>
+                </a:ln>
+                <a:solidFill>
+                  <a:srgbClr val="BBB529"/>
+                </a:solidFill>
+                <a:effectLst/>
+                <a:latin typeface="JetBrains Mono"/>
+              </a:rPr>
+              <a:t>(</a:t>
+            </a:r>
+            <a:r>
+              <a:rPr kumimoji="0" lang="es-ES" altLang="en-US" sz="1300" b="0" i="0" u="none" strike="noStrike" cap="none" normalizeH="0" baseline="0" dirty="0" err="1">
+                <a:ln>
+                  <a:noFill/>
+                </a:ln>
+                <a:solidFill>
+                  <a:srgbClr val="BBB529"/>
+                </a:solidFill>
+                <a:effectLst/>
+                <a:latin typeface="JetBrains Mono"/>
+              </a:rPr>
+              <a:t>Objetodelectura</a:t>
+            </a:r>
+            <a:r>
+              <a:rPr kumimoji="0" lang="es-ES" altLang="en-US" sz="1300" b="0" i="0" u="none" strike="noStrike" cap="none" normalizeH="0" baseline="0" dirty="0">
+                <a:ln>
+                  <a:noFill/>
+                </a:ln>
+                <a:solidFill>
+                  <a:srgbClr val="BBB529"/>
+                </a:solidFill>
+                <a:effectLst/>
+                <a:latin typeface="JetBrains Mono"/>
+              </a:rPr>
+              <a:t> </a:t>
+            </a:r>
+            <a:r>
+              <a:rPr kumimoji="0" lang="es-ES" altLang="en-US" sz="1300" b="0" i="0" u="none" strike="noStrike" cap="none" normalizeH="0" baseline="0" dirty="0" err="1">
+                <a:ln>
+                  <a:noFill/>
+                </a:ln>
+                <a:solidFill>
+                  <a:srgbClr val="BBB529"/>
+                </a:solidFill>
+                <a:effectLst/>
+                <a:latin typeface="JetBrains Mono"/>
+              </a:rPr>
+              <a:t>objetodelectura</a:t>
+            </a:r>
+            <a:r>
+              <a:rPr kumimoji="0" lang="es-ES" altLang="en-US" sz="1300" b="0" i="0" u="none" strike="noStrike" cap="none" normalizeH="0" baseline="0" dirty="0">
+                <a:ln>
+                  <a:noFill/>
+                </a:ln>
+                <a:solidFill>
+                  <a:srgbClr val="BBB529"/>
+                </a:solidFill>
+                <a:effectLst/>
+                <a:latin typeface="JetBrains Mono"/>
+              </a:rPr>
+              <a:t>){</a:t>
+            </a:r>
+          </a:p>
+          <a:p>
+            <a:pPr marL="0" marR="0" lvl="0" indent="0" algn="l" defTabSz="914400" rtl="0" eaLnBrk="0" fontAlgn="base" latinLnBrk="0" hangingPunct="0">
+              <a:lnSpc>
+                <a:spcPct val="100000"/>
+              </a:lnSpc>
+              <a:spcBef>
+                <a:spcPct val="0"/>
+              </a:spcBef>
+              <a:spcAft>
+                <a:spcPct val="0"/>
+              </a:spcAft>
+              <a:buClrTx/>
+              <a:buSzTx/>
+              <a:buFontTx/>
+              <a:buNone/>
+              <a:tabLst/>
+            </a:pPr>
+            <a:r>
+              <a:rPr kumimoji="0" lang="es-ES" altLang="en-US" sz="1300" b="0" i="0" u="none" strike="noStrike" cap="none" normalizeH="0" baseline="0" dirty="0">
+                <a:ln>
+                  <a:noFill/>
+                </a:ln>
+                <a:solidFill>
+                  <a:srgbClr val="BBB529"/>
+                </a:solidFill>
+                <a:effectLst/>
+                <a:latin typeface="JetBrains Mono"/>
+              </a:rPr>
+              <a:t>        //Si </a:t>
+            </a:r>
+            <a:r>
+              <a:rPr kumimoji="0" lang="es-ES" altLang="en-US" sz="1300" b="0" i="0" u="none" strike="noStrike" cap="none" normalizeH="0" baseline="0" dirty="0" err="1">
+                <a:ln>
+                  <a:noFill/>
+                </a:ln>
+                <a:solidFill>
+                  <a:srgbClr val="BBB529"/>
+                </a:solidFill>
+                <a:effectLst/>
+                <a:latin typeface="JetBrains Mono"/>
+              </a:rPr>
+              <a:t>tuvuera</a:t>
+            </a:r>
+            <a:r>
+              <a:rPr kumimoji="0" lang="es-ES" altLang="en-US" sz="1300" b="0" i="0" u="none" strike="noStrike" cap="none" normalizeH="0" baseline="0" dirty="0">
+                <a:ln>
+                  <a:noFill/>
+                </a:ln>
+                <a:solidFill>
+                  <a:srgbClr val="BBB529"/>
+                </a:solidFill>
+                <a:effectLst/>
+                <a:latin typeface="JetBrains Mono"/>
+              </a:rPr>
+              <a:t> todo tendría un servicio conectado a una </a:t>
+            </a:r>
+            <a:r>
+              <a:rPr kumimoji="0" lang="es-ES" altLang="en-US" sz="1300" b="0" i="0" u="none" strike="noStrike" cap="none" normalizeH="0" baseline="0" dirty="0" err="1">
+                <a:ln>
+                  <a:noFill/>
+                </a:ln>
+                <a:solidFill>
+                  <a:srgbClr val="BBB529"/>
+                </a:solidFill>
+                <a:effectLst/>
+                <a:latin typeface="JetBrains Mono"/>
+              </a:rPr>
+              <a:t>bbdd</a:t>
+            </a:r>
+            <a:endParaRPr kumimoji="0" lang="es-ES" altLang="en-US" sz="1300" b="0" i="0" u="none" strike="noStrike" cap="none" normalizeH="0" baseline="0" dirty="0">
+              <a:ln>
+                <a:noFill/>
+              </a:ln>
+              <a:solidFill>
+                <a:srgbClr val="BBB529"/>
+              </a:solidFill>
+              <a:effectLst/>
+              <a:latin typeface="JetBrains Mono"/>
+            </a:endParaRPr>
+          </a:p>
+          <a:p>
+            <a:pPr marL="0" marR="0" lvl="0" indent="0" algn="l" defTabSz="914400" rtl="0" eaLnBrk="0" fontAlgn="base" latinLnBrk="0" hangingPunct="0">
+              <a:lnSpc>
+                <a:spcPct val="100000"/>
+              </a:lnSpc>
+              <a:spcBef>
+                <a:spcPct val="0"/>
+              </a:spcBef>
+              <a:spcAft>
+                <a:spcPct val="0"/>
+              </a:spcAft>
+              <a:buClrTx/>
+              <a:buSzTx/>
+              <a:buFontTx/>
+              <a:buNone/>
+              <a:tabLst/>
+            </a:pPr>
+            <a:r>
+              <a:rPr kumimoji="0" lang="es-ES" altLang="en-US" sz="1300" b="0" i="0" u="none" strike="noStrike" cap="none" normalizeH="0" baseline="0" dirty="0">
+                <a:ln>
+                  <a:noFill/>
+                </a:ln>
+                <a:solidFill>
+                  <a:srgbClr val="BBB529"/>
+                </a:solidFill>
+                <a:effectLst/>
+                <a:latin typeface="JetBrains Mono"/>
+              </a:rPr>
+              <a:t>        // </a:t>
+            </a:r>
+            <a:r>
+              <a:rPr kumimoji="0" lang="es-ES" altLang="en-US" sz="1300" b="0" i="0" u="none" strike="noStrike" cap="none" normalizeH="0" baseline="0" dirty="0" err="1">
+                <a:ln>
+                  <a:noFill/>
+                </a:ln>
+                <a:solidFill>
+                  <a:srgbClr val="BBB529"/>
+                </a:solidFill>
+                <a:effectLst/>
+                <a:latin typeface="JetBrains Mono"/>
+              </a:rPr>
+              <a:t>objetodelecturaServicio.save</a:t>
+            </a:r>
+            <a:r>
+              <a:rPr kumimoji="0" lang="es-ES" altLang="en-US" sz="1300" b="0" i="0" u="none" strike="noStrike" cap="none" normalizeH="0" baseline="0" dirty="0">
+                <a:ln>
+                  <a:noFill/>
+                </a:ln>
+                <a:solidFill>
+                  <a:srgbClr val="BBB529"/>
+                </a:solidFill>
+                <a:effectLst/>
+                <a:latin typeface="JetBrains Mono"/>
+              </a:rPr>
+              <a:t>(</a:t>
+            </a:r>
+            <a:r>
+              <a:rPr kumimoji="0" lang="es-ES" altLang="en-US" sz="1300" b="0" i="0" u="none" strike="noStrike" cap="none" normalizeH="0" baseline="0" dirty="0" err="1">
+                <a:ln>
+                  <a:noFill/>
+                </a:ln>
+                <a:solidFill>
+                  <a:srgbClr val="BBB529"/>
+                </a:solidFill>
+                <a:effectLst/>
+                <a:latin typeface="JetBrains Mono"/>
+              </a:rPr>
+              <a:t>objetodelectura</a:t>
+            </a:r>
+            <a:r>
+              <a:rPr kumimoji="0" lang="es-ES" altLang="en-US" sz="1300" b="0" i="0" u="none" strike="noStrike" cap="none" normalizeH="0" baseline="0" dirty="0">
+                <a:ln>
+                  <a:noFill/>
+                </a:ln>
+                <a:solidFill>
+                  <a:srgbClr val="BBB529"/>
+                </a:solidFill>
+                <a:effectLst/>
+                <a:latin typeface="JetBrains Mono"/>
+              </a:rPr>
+              <a:t>)</a:t>
+            </a:r>
+          </a:p>
+          <a:p>
+            <a:pPr marL="0" marR="0" lvl="0" indent="0" algn="l" defTabSz="914400" rtl="0" eaLnBrk="0" fontAlgn="base" latinLnBrk="0" hangingPunct="0">
+              <a:lnSpc>
+                <a:spcPct val="100000"/>
+              </a:lnSpc>
+              <a:spcBef>
+                <a:spcPct val="0"/>
+              </a:spcBef>
+              <a:spcAft>
+                <a:spcPct val="0"/>
+              </a:spcAft>
+              <a:buClrTx/>
+              <a:buSzTx/>
+              <a:buFontTx/>
+              <a:buNone/>
+              <a:tabLst/>
+            </a:pPr>
+            <a:r>
+              <a:rPr kumimoji="0" lang="es-ES" altLang="en-US" sz="1300" b="0" i="0" u="none" strike="noStrike" cap="none" normalizeH="0" baseline="0" dirty="0">
+                <a:ln>
+                  <a:noFill/>
+                </a:ln>
+                <a:solidFill>
+                  <a:srgbClr val="BBB529"/>
+                </a:solidFill>
+                <a:effectLst/>
+                <a:latin typeface="JetBrains Mono"/>
+              </a:rPr>
+              <a:t>        //Vamos a poner por consola el datos </a:t>
+            </a:r>
+            <a:r>
+              <a:rPr kumimoji="0" lang="es-ES" altLang="en-US" sz="1300" b="0" i="0" u="none" strike="noStrike" cap="none" normalizeH="0" baseline="0" dirty="0" err="1">
+                <a:ln>
+                  <a:noFill/>
+                </a:ln>
+                <a:solidFill>
+                  <a:srgbClr val="BBB529"/>
+                </a:solidFill>
+                <a:effectLst/>
+                <a:latin typeface="JetBrains Mono"/>
+              </a:rPr>
+              <a:t>leido</a:t>
+            </a:r>
+            <a:endParaRPr kumimoji="0" lang="es-ES" altLang="en-US" sz="1300" b="0" i="0" u="none" strike="noStrike" cap="none" normalizeH="0" baseline="0" dirty="0">
+              <a:ln>
+                <a:noFill/>
+              </a:ln>
+              <a:solidFill>
+                <a:srgbClr val="BBB529"/>
+              </a:solidFill>
+              <a:effectLst/>
+              <a:latin typeface="JetBrains Mono"/>
+            </a:endParaRPr>
+          </a:p>
+          <a:p>
+            <a:pPr marL="0" marR="0" lvl="0" indent="0" algn="l" defTabSz="914400" rtl="0" eaLnBrk="0" fontAlgn="base" latinLnBrk="0" hangingPunct="0">
+              <a:lnSpc>
+                <a:spcPct val="100000"/>
+              </a:lnSpc>
+              <a:spcBef>
+                <a:spcPct val="0"/>
+              </a:spcBef>
+              <a:spcAft>
+                <a:spcPct val="0"/>
+              </a:spcAft>
+              <a:buClrTx/>
+              <a:buSzTx/>
+              <a:buFontTx/>
+              <a:buNone/>
+              <a:tabLst/>
+            </a:pPr>
+            <a:r>
+              <a:rPr kumimoji="0" lang="es-ES" altLang="en-US" sz="1300" b="0" i="0" u="none" strike="noStrike" cap="none" normalizeH="0" baseline="0" dirty="0">
+                <a:ln>
+                  <a:noFill/>
+                </a:ln>
+                <a:solidFill>
+                  <a:srgbClr val="BBB529"/>
+                </a:solidFill>
+                <a:effectLst/>
+                <a:latin typeface="JetBrains Mono"/>
+              </a:rPr>
+              <a:t>        </a:t>
+            </a:r>
+          </a:p>
+          <a:p>
+            <a:pPr marL="0" marR="0" lvl="0" indent="0" algn="l" defTabSz="914400" rtl="0" eaLnBrk="0" fontAlgn="base" latinLnBrk="0" hangingPunct="0">
+              <a:lnSpc>
+                <a:spcPct val="100000"/>
+              </a:lnSpc>
+              <a:spcBef>
+                <a:spcPct val="0"/>
+              </a:spcBef>
+              <a:spcAft>
+                <a:spcPct val="0"/>
+              </a:spcAft>
+              <a:buClrTx/>
+              <a:buSzTx/>
+              <a:buFontTx/>
+              <a:buNone/>
+              <a:tabLst/>
+            </a:pPr>
+            <a:r>
+              <a:rPr kumimoji="0" lang="es-ES" altLang="en-US" sz="1300" b="0" i="0" u="none" strike="noStrike" cap="none" normalizeH="0" baseline="0" dirty="0">
+                <a:ln>
+                  <a:noFill/>
+                </a:ln>
+                <a:solidFill>
+                  <a:srgbClr val="BBB529"/>
+                </a:solidFill>
+                <a:effectLst/>
+                <a:latin typeface="JetBrains Mono"/>
+              </a:rPr>
+              <a:t>    }</a:t>
+            </a:r>
+            <a:br>
+              <a:rPr kumimoji="0" lang="en-US" altLang="en-US" sz="1300" b="0" i="0" u="none" strike="noStrike" cap="none" normalizeH="0" baseline="0" dirty="0">
+                <a:ln>
+                  <a:noFill/>
+                </a:ln>
+                <a:solidFill>
+                  <a:srgbClr val="BBB529"/>
+                </a:solidFill>
+                <a:effectLst/>
+                <a:latin typeface="JetBrains Mono"/>
+              </a:rPr>
+            </a:br>
+            <a:endParaRPr kumimoji="0" lang="en-US" altLang="en-US" sz="1800" b="0" i="0" u="none" strike="noStrike" cap="none" normalizeH="0" baseline="0" dirty="0">
+              <a:ln>
+                <a:noFill/>
+              </a:ln>
+              <a:solidFill>
+                <a:schemeClr val="tx1"/>
+              </a:solidFill>
+              <a:effectLst/>
+              <a:latin typeface="Arial" panose="020B0604020202020204" pitchFamily="34" charset="0"/>
+            </a:endParaRPr>
+          </a:p>
+        </p:txBody>
+      </p:sp>
+      <p:sp>
+        <p:nvSpPr>
+          <p:cNvPr id="8" name="Rectangle 7">
+            <a:extLst>
+              <a:ext uri="{FF2B5EF4-FFF2-40B4-BE49-F238E27FC236}">
+                <a16:creationId xmlns:a16="http://schemas.microsoft.com/office/drawing/2014/main" id="{8B93ACA9-6A63-E9A5-F442-AC75A1D4A725}"/>
+              </a:ext>
+            </a:extLst>
+          </p:cNvPr>
+          <p:cNvSpPr/>
+          <p:nvPr/>
+        </p:nvSpPr>
+        <p:spPr>
+          <a:xfrm>
+            <a:off x="494227" y="482543"/>
+            <a:ext cx="6197766" cy="1739147"/>
+          </a:xfrm>
+          <a:prstGeom prst="rect">
+            <a:avLst/>
+          </a:prstGeom>
+        </p:spPr>
+        <p:style>
+          <a:lnRef idx="2">
+            <a:schemeClr val="accent2">
+              <a:shade val="50000"/>
+            </a:schemeClr>
+          </a:lnRef>
+          <a:fillRef idx="1">
+            <a:schemeClr val="accent2"/>
+          </a:fillRef>
+          <a:effectRef idx="0">
+            <a:schemeClr val="accent2"/>
+          </a:effectRef>
+          <a:fontRef idx="minor">
+            <a:schemeClr val="lt1"/>
+          </a:fontRef>
+        </p:style>
+        <p:txBody>
+          <a:bodyPr rtlCol="0" anchor="ctr"/>
+          <a:lstStyle/>
+          <a:p>
+            <a:r>
+              <a:rPr lang="en-US" sz="1000" dirty="0"/>
+              <a:t>&lt;article&gt;</a:t>
+            </a:r>
+          </a:p>
+          <a:p>
+            <a:r>
+              <a:rPr lang="en-US" sz="1000" dirty="0"/>
+              <a:t>          &lt;section&gt;</a:t>
+            </a:r>
+          </a:p>
+          <a:p>
+            <a:r>
+              <a:rPr lang="en-US" sz="1000" dirty="0"/>
+              <a:t>	&lt;form action=“#“ </a:t>
+            </a:r>
+            <a:r>
+              <a:rPr lang="en-US" sz="1000" dirty="0" err="1"/>
+              <a:t>th:action</a:t>
+            </a:r>
+            <a:r>
+              <a:rPr lang="en-US" sz="1000" dirty="0"/>
+              <a:t>=“@{/</a:t>
+            </a:r>
+            <a:r>
+              <a:rPr lang="en-US" sz="1000" dirty="0" err="1"/>
+              <a:t>accionaejecutar</a:t>
+            </a:r>
+            <a:r>
+              <a:rPr lang="en-US" sz="1000" dirty="0"/>
+              <a:t>}” </a:t>
+            </a:r>
+            <a:r>
+              <a:rPr lang="en-US" sz="1000" dirty="0" err="1"/>
+              <a:t>th:object</a:t>
+            </a:r>
+            <a:r>
+              <a:rPr lang="en-US" sz="1000" dirty="0"/>
+              <a:t>=“${</a:t>
+            </a:r>
+            <a:r>
+              <a:rPr lang="en-US" sz="1000" dirty="0" err="1"/>
+              <a:t>objetodelectura</a:t>
+            </a:r>
+            <a:r>
+              <a:rPr lang="en-US" sz="1000" dirty="0"/>
+              <a:t>} method=“GET”&gt;</a:t>
+            </a:r>
+          </a:p>
+          <a:p>
+            <a:r>
+              <a:rPr lang="en-US" sz="1000" dirty="0"/>
+              <a:t>	         &lt;input type= "text" class = "form-control" id="</a:t>
+            </a:r>
+            <a:r>
+              <a:rPr lang="en-US" sz="1000" dirty="0" err="1"/>
+              <a:t>textAccion</a:t>
+            </a:r>
+            <a:r>
+              <a:rPr lang="en-US" sz="1000" dirty="0"/>
+              <a:t>“  </a:t>
+            </a:r>
+            <a:r>
+              <a:rPr lang="en-US" sz="1000" dirty="0" err="1"/>
+              <a:t>th:field</a:t>
+            </a:r>
+            <a:r>
+              <a:rPr lang="en-US" sz="1000" dirty="0"/>
+              <a:t>=“*{</a:t>
+            </a:r>
+            <a:r>
+              <a:rPr lang="en-US" sz="1000" dirty="0" err="1"/>
+              <a:t>nombrecampo</a:t>
+            </a:r>
+            <a:r>
+              <a:rPr lang="en-US" sz="1000" dirty="0"/>
+              <a:t>}” /&gt;</a:t>
+            </a:r>
+          </a:p>
+          <a:p>
+            <a:r>
+              <a:rPr lang="en-US" sz="1000" dirty="0"/>
+              <a:t>	         &lt;button name="submit" type="submit"  &gt;</a:t>
+            </a:r>
+            <a:r>
+              <a:rPr lang="en-US" sz="1000" dirty="0" err="1"/>
+              <a:t>Guardar</a:t>
+            </a:r>
+            <a:r>
+              <a:rPr lang="en-US" sz="1000" dirty="0"/>
+              <a:t>&lt;/button&gt;</a:t>
+            </a:r>
+          </a:p>
+          <a:p>
+            <a:r>
+              <a:rPr lang="en-US" sz="1000" dirty="0"/>
+              <a:t>	&lt;/form&gt;</a:t>
+            </a:r>
+          </a:p>
+          <a:p>
+            <a:r>
+              <a:rPr lang="en-US" sz="1000" dirty="0"/>
+              <a:t>        &lt;/section&gt;</a:t>
+            </a:r>
+          </a:p>
+          <a:p>
+            <a:r>
+              <a:rPr lang="en-US" sz="1000" dirty="0"/>
+              <a:t>&lt;article&gt;</a:t>
+            </a:r>
+          </a:p>
+        </p:txBody>
+      </p:sp>
+    </p:spTree>
+    <p:extLst>
+      <p:ext uri="{BB962C8B-B14F-4D97-AF65-F5344CB8AC3E}">
+        <p14:creationId xmlns:p14="http://schemas.microsoft.com/office/powerpoint/2010/main" val="4206599506"/>
+      </p:ext>
+    </p:extLst>
+  </p:cSld>
+  <p:clrMapOvr>
+    <a:masterClrMapping/>
+  </p:clrMapOvr>
+</p:sld>
+</file>
+
 <file path=ppt/theme/theme1.xml><?xml version="1.0" encoding="utf-8"?>
 <a:theme xmlns:a="http://schemas.openxmlformats.org/drawingml/2006/main" name="Office Theme">
   <a:themeElements>
